--- a/프레첼 - 결과보고서 패널.pptx
+++ b/프레첼 - 결과보고서 패널.pptx
@@ -10356,7 +10356,7 @@
                   <a:schemeClr val="tx1"/>
                 </a:solidFill>
               </a:rPr>
-              <a:t>: SW</a:t>
+              <a:t>: </a:t>
             </a:r>
             <a:r>
               <a:rPr lang="ko-KR" altLang="en-US" sz="2400">
@@ -10364,31 +10364,7 @@
                   <a:schemeClr val="tx1"/>
                 </a:solidFill>
               </a:rPr>
-              <a:t>융합캡스톤디자인</a:t>
-            </a:r>
-            <a:r>
-              <a:rPr lang="en-US" altLang="ko-KR" sz="2400">
-                <a:solidFill>
-                  <a:schemeClr val="tx1"/>
-                </a:solidFill>
-              </a:rPr>
-              <a:t>Ⅱ</a:t>
-            </a:r>
-            <a:r>
-              <a:rPr lang="ko-KR" altLang="en-US" sz="2400">
-                <a:solidFill>
-                  <a:schemeClr val="tx1"/>
-                </a:solidFill>
-              </a:rPr>
-              <a:t> </a:t>
-            </a:r>
-            <a:r>
-              <a:rPr lang="en-US" altLang="ko-KR" sz="2400" dirty="0">
-                <a:solidFill>
-                  <a:schemeClr val="tx1"/>
-                </a:solidFill>
-              </a:rPr>
-              <a:t/>
+              <a:t>제주시 카페 밀도에 따른 가격 비교</a:t>
             </a:r>
             <a:br>
               <a:rPr lang="en-US" altLang="ko-KR" sz="2400" dirty="0">
@@ -10421,38 +10397,15 @@
               </a:rPr>
               <a:t>프레첼</a:t>
             </a:r>
-            <a:r>
-              <a:rPr lang="en-US" altLang="ko-KR" sz="2400" dirty="0">
-                <a:solidFill>
-                  <a:schemeClr val="tx1"/>
-                </a:solidFill>
-              </a:rPr>
-              <a:t/>
-            </a:r>
             <a:br>
-              <a:rPr lang="en-US" altLang="ko-KR" sz="2400" dirty="0">
+              <a:rPr lang="en-US" altLang="ko-KR" sz="2400">
                 <a:solidFill>
                   <a:schemeClr val="tx1"/>
                 </a:solidFill>
               </a:rPr>
             </a:br>
             <a:r>
-              <a:rPr lang="en-US" altLang="ko-KR" sz="2400" dirty="0">
-                <a:solidFill>
-                  <a:schemeClr val="tx1"/>
-                </a:solidFill>
-              </a:rPr>
-              <a:t/>
-            </a:r>
-            <a:br>
-              <a:rPr lang="en-US" altLang="ko-KR" sz="2400" dirty="0">
-                <a:solidFill>
-                  <a:schemeClr val="tx1"/>
-                </a:solidFill>
-              </a:rPr>
-            </a:br>
-            <a:r>
-              <a:rPr lang="ko-KR" altLang="en-US" sz="2400" dirty="0">
+              <a:rPr lang="ko-KR" altLang="en-US" sz="2400">
                 <a:solidFill>
                   <a:schemeClr val="tx1"/>
                 </a:solidFill>
@@ -10474,14 +10427,6 @@
                 </a:solidFill>
               </a:rPr>
               <a:t>변영철</a:t>
-            </a:r>
-            <a:r>
-              <a:rPr lang="en-US" altLang="ko-KR" sz="2400" dirty="0">
-                <a:solidFill>
-                  <a:schemeClr val="tx1"/>
-                </a:solidFill>
-              </a:rPr>
-              <a:t/>
             </a:r>
             <a:br>
               <a:rPr lang="en-US" altLang="ko-KR" sz="2400" dirty="0">
@@ -10585,23 +10530,12 @@
             <a:pPr algn="l"/>
             <a:r>
               <a:rPr lang="en-US" altLang="ko-KR"/>
-              <a:t>Goal :</a:t>
-            </a:r>
-          </a:p>
-          <a:p>
-            <a:pPr algn="l"/>
-            <a:r>
-              <a:rPr lang="en-US" altLang="ko-KR"/>
-              <a:t> </a:t>
+              <a:t>Goal : </a:t>
             </a:r>
             <a:r>
               <a:rPr lang="ko-KR" altLang="en-US"/>
-              <a:t>제주시 카페 밀도에 따른 가격 비교</a:t>
-            </a:r>
-            <a:endParaRPr lang="en-US" altLang="ko-KR"/>
-          </a:p>
-          <a:p>
-            <a:pPr algn="l"/>
+              <a:t>제주시 카페 밀도에 따른 가격 비교 분석 및 제주시 카페 지도 제작</a:t>
+            </a:r>
             <a:endParaRPr lang="en-US" altLang="ko-KR" sz="700"/>
           </a:p>
           <a:p>
@@ -10866,8 +10800,44 @@
         </p:blipFill>
         <p:spPr>
           <a:xfrm>
-            <a:off x="1770948" y="6948264"/>
+            <a:off x="188640" y="6720495"/>
             <a:ext cx="2592288" cy="1399808"/>
+          </a:xfrm>
+          <a:prstGeom prst="rect">
+            <a:avLst/>
+          </a:prstGeom>
+        </p:spPr>
+      </p:pic>
+      <p:pic>
+        <p:nvPicPr>
+          <p:cNvPr id="9" name="그림 8">
+            <a:extLst>
+              <a:ext uri="{FF2B5EF4-FFF2-40B4-BE49-F238E27FC236}">
+                <a16:creationId xmlns:a16="http://schemas.microsoft.com/office/drawing/2014/main" id="{13D831D8-2B76-4F54-BE06-0A01EB547D61}"/>
+              </a:ext>
+            </a:extLst>
+          </p:cNvPr>
+          <p:cNvPicPr>
+            <a:picLocks noChangeAspect="1"/>
+          </p:cNvPicPr>
+          <p:nvPr/>
+        </p:nvPicPr>
+        <p:blipFill>
+          <a:blip r:embed="rId7" cstate="print">
+            <a:extLst>
+              <a:ext uri="{28A0092B-C50C-407E-A947-70E740481C1C}">
+                <a14:useLocalDpi xmlns:a14="http://schemas.microsoft.com/office/drawing/2010/main" val="0"/>
+              </a:ext>
+            </a:extLst>
+          </a:blip>
+          <a:stretch>
+            <a:fillRect/>
+          </a:stretch>
+        </p:blipFill>
+        <p:spPr>
+          <a:xfrm>
+            <a:off x="2852936" y="6722526"/>
+            <a:ext cx="2592288" cy="1395747"/>
           </a:xfrm>
           <a:prstGeom prst="rect">
             <a:avLst/>
@@ -10884,6 +10854,84 @@
   <p:clrMapOvr>
     <a:masterClrMapping/>
   </p:clrMapOvr>
+  <p:timing>
+    <p:tnLst>
+      <p:par>
+        <p:cTn id="1" dur="indefinite" restart="never" nodeType="tmRoot">
+          <p:childTnLst>
+            <p:seq concurrent="1" nextAc="seek">
+              <p:cTn id="2" dur="indefinite" nodeType="mainSeq">
+                <p:childTnLst>
+                  <p:par>
+                    <p:cTn id="3" fill="hold">
+                      <p:stCondLst>
+                        <p:cond delay="indefinite"/>
+                        <p:cond evt="onBegin" delay="0">
+                          <p:tn val="2"/>
+                        </p:cond>
+                      </p:stCondLst>
+                      <p:childTnLst>
+                        <p:par>
+                          <p:cTn id="4" fill="hold">
+                            <p:stCondLst>
+                              <p:cond delay="0"/>
+                            </p:stCondLst>
+                            <p:childTnLst>
+                              <p:par>
+                                <p:cTn id="5" presetID="1" presetClass="entr" presetSubtype="0" fill="hold" nodeType="withEffect">
+                                  <p:stCondLst>
+                                    <p:cond delay="0"/>
+                                  </p:stCondLst>
+                                  <p:childTnLst>
+                                    <p:set>
+                                      <p:cBhvr>
+                                        <p:cTn id="6" dur="1" fill="hold">
+                                          <p:stCondLst>
+                                            <p:cond delay="0"/>
+                                          </p:stCondLst>
+                                        </p:cTn>
+                                        <p:tgtEl>
+                                          <p:spTgt spid="9"/>
+                                        </p:tgtEl>
+                                        <p:attrNameLst>
+                                          <p:attrName>style.visibility</p:attrName>
+                                        </p:attrNameLst>
+                                      </p:cBhvr>
+                                      <p:to>
+                                        <p:strVal val="visible"/>
+                                      </p:to>
+                                    </p:set>
+                                  </p:childTnLst>
+                                </p:cTn>
+                              </p:par>
+                            </p:childTnLst>
+                          </p:cTn>
+                        </p:par>
+                      </p:childTnLst>
+                    </p:cTn>
+                  </p:par>
+                </p:childTnLst>
+              </p:cTn>
+              <p:prevCondLst>
+                <p:cond evt="onPrev" delay="0">
+                  <p:tgtEl>
+                    <p:sldTgt/>
+                  </p:tgtEl>
+                </p:cond>
+              </p:prevCondLst>
+              <p:nextCondLst>
+                <p:cond evt="onNext" delay="0">
+                  <p:tgtEl>
+                    <p:sldTgt/>
+                  </p:tgtEl>
+                </p:cond>
+              </p:nextCondLst>
+            </p:seq>
+          </p:childTnLst>
+        </p:cTn>
+      </p:par>
+    </p:tnLst>
+  </p:timing>
 </p:sld>
 </file>
 
